--- a/rocketmq/RocketMQ 分享.pptx
+++ b/rocketmq/RocketMQ 分享.pptx
@@ -240,7 +240,7 @@
             <a:fld id="{59A650E8-AA36-4402-A64C-B72FC86EE054}" type="datetimeFigureOut">
               <a:rPr lang="zh-CN" altLang="en-US" smtClean="0"/>
               <a:pPr/>
-              <a:t>2013/7/10</a:t>
+              <a:t>2013/11/17</a:t>
             </a:fld>
             <a:endParaRPr lang="zh-CN" altLang="en-US"/>
           </a:p>
@@ -4745,7 +4745,7 @@
                 <a:latin typeface="微软雅黑" pitchFamily="34" charset="-122"/>
                 <a:ea typeface="微软雅黑" pitchFamily="34" charset="-122"/>
               </a:rPr>
-              <a:t>Metaq</a:t>
+              <a:t>MetaQ</a:t>
             </a:r>
             <a:r>
               <a:rPr lang="zh-CN" altLang="en-US" sz="4400" dirty="0" smtClean="0">
@@ -4755,7 +4755,17 @@
                 <a:latin typeface="微软雅黑" pitchFamily="34" charset="-122"/>
                 <a:ea typeface="微软雅黑" pitchFamily="34" charset="-122"/>
               </a:rPr>
-              <a:t>消息中间件</a:t>
+              <a:t>消息</a:t>
+            </a:r>
+            <a:r>
+              <a:rPr lang="zh-CN" altLang="en-US" sz="4400" dirty="0" smtClean="0">
+                <a:solidFill>
+                  <a:schemeClr val="bg1"/>
+                </a:solidFill>
+                <a:latin typeface="微软雅黑" pitchFamily="34" charset="-122"/>
+                <a:ea typeface="微软雅黑" pitchFamily="34" charset="-122"/>
+              </a:rPr>
+              <a:t>中间件</a:t>
             </a:r>
             <a:endParaRPr lang="en-US" altLang="zh-CN" sz="4400" dirty="0" smtClean="0">
               <a:solidFill>
@@ -7126,23 +7136,6 @@
               </a:rPr>
               <a:t>开源</a:t>
             </a:r>
-            <a:endParaRPr lang="zh-CN" altLang="en-US" sz="2400" b="1" dirty="0" smtClean="0">
-              <a:solidFill>
-                <a:schemeClr val="accent1">
-                  <a:lumMod val="50000"/>
-                </a:schemeClr>
-              </a:solidFill>
-              <a:effectLst>
-                <a:outerShdw blurRad="53975" dist="22860" dir="5400000" algn="tl" rotWithShape="0">
-                  <a:srgbClr val="000000">
-                    <a:alpha val="55000"/>
-                  </a:srgbClr>
-                </a:outerShdw>
-              </a:effectLst>
-              <a:latin typeface="微软雅黑" pitchFamily="34" charset="-122"/>
-              <a:ea typeface="微软雅黑" pitchFamily="34" charset="-122"/>
-              <a:cs typeface="+mj-cs"/>
-            </a:endParaRPr>
           </a:p>
         </p:txBody>
       </p:sp>
@@ -7294,13 +7287,7 @@
               <a:rPr lang="en-US" altLang="zh-CN" sz="1600" dirty="0" smtClean="0">
                 <a:hlinkClick r:id="rId3"/>
               </a:rPr>
-              <a:t>https://</a:t>
-            </a:r>
-            <a:r>
-              <a:rPr lang="en-US" altLang="zh-CN" sz="1600" dirty="0" smtClean="0">
-                <a:hlinkClick r:id="rId3"/>
-              </a:rPr>
-              <a:t>github.com/alibaba/RocketMQ</a:t>
+              <a:t>https://github.com/alibaba/RocketMQ</a:t>
             </a:r>
             <a:endParaRPr lang="en-US" altLang="zh-CN" sz="1600" dirty="0" smtClean="0"/>
           </a:p>
@@ -9975,17 +9962,7 @@
                 <a:latin typeface="微软雅黑" pitchFamily="34" charset="-122"/>
                 <a:ea typeface="微软雅黑" pitchFamily="34" charset="-122"/>
               </a:rPr>
-              <a:t>方式一致（几十</a:t>
-            </a:r>
-            <a:r>
-              <a:rPr lang="en-US" altLang="zh-CN" sz="2000" b="1" dirty="0" smtClean="0">
-                <a:solidFill>
-                  <a:srgbClr val="FF6600"/>
-                </a:solidFill>
-                <a:latin typeface="微软雅黑" pitchFamily="34" charset="-122"/>
-                <a:ea typeface="微软雅黑" pitchFamily="34" charset="-122"/>
-              </a:rPr>
-              <a:t>ms</a:t>
+              <a:t>方式一致</a:t>
             </a:r>
             <a:r>
               <a:rPr lang="zh-CN" altLang="en-US" sz="2000" b="1" dirty="0" smtClean="0">
@@ -9995,7 +9972,7 @@
                 <a:latin typeface="微软雅黑" pitchFamily="34" charset="-122"/>
                 <a:ea typeface="微软雅黑" pitchFamily="34" charset="-122"/>
               </a:rPr>
-              <a:t>）</a:t>
+              <a:t>（几毫秒延迟）</a:t>
             </a:r>
             <a:endParaRPr lang="en-US" altLang="zh-CN" sz="2000" b="1" dirty="0" smtClean="0">
               <a:solidFill>
@@ -10067,7 +10044,47 @@
                 <a:latin typeface="微软雅黑" pitchFamily="34" charset="-122"/>
                 <a:ea typeface="微软雅黑" pitchFamily="34" charset="-122"/>
               </a:rPr>
-              <a:t>服务端消息重试（用户可指定下次重试时间）</a:t>
+              <a:t>服务端消息重试</a:t>
+            </a:r>
+            <a:r>
+              <a:rPr lang="zh-CN" altLang="en-US" sz="2000" b="1" dirty="0" smtClean="0">
+                <a:solidFill>
+                  <a:srgbClr val="FF6600"/>
+                </a:solidFill>
+                <a:latin typeface="微软雅黑" pitchFamily="34" charset="-122"/>
+                <a:ea typeface="微软雅黑" pitchFamily="34" charset="-122"/>
+              </a:rPr>
+              <a:t>（</a:t>
+            </a:r>
+            <a:r>
+              <a:rPr lang="en-US" altLang="zh-CN" sz="2000" b="1" dirty="0" smtClean="0">
+                <a:solidFill>
+                  <a:srgbClr val="FF6600"/>
+                </a:solidFill>
+                <a:latin typeface="微软雅黑" pitchFamily="34" charset="-122"/>
+                <a:ea typeface="微软雅黑" pitchFamily="34" charset="-122"/>
+              </a:rPr>
+              <a:t>Consumer</a:t>
+            </a:r>
+            <a:r>
+              <a:rPr lang="zh-CN" altLang="en-US" sz="2000" b="1" dirty="0" smtClean="0">
+                <a:solidFill>
+                  <a:srgbClr val="FF6600"/>
+                </a:solidFill>
+                <a:latin typeface="微软雅黑" pitchFamily="34" charset="-122"/>
+                <a:ea typeface="微软雅黑" pitchFamily="34" charset="-122"/>
+              </a:rPr>
+              <a:t>可为失败消息指定</a:t>
+            </a:r>
+            <a:r>
+              <a:rPr lang="zh-CN" altLang="en-US" sz="2000" b="1" dirty="0" smtClean="0">
+                <a:solidFill>
+                  <a:srgbClr val="FF6600"/>
+                </a:solidFill>
+                <a:latin typeface="微软雅黑" pitchFamily="34" charset="-122"/>
+                <a:ea typeface="微软雅黑" pitchFamily="34" charset="-122"/>
+              </a:rPr>
+              <a:t>下次重试时间）</a:t>
             </a:r>
             <a:endParaRPr lang="en-US" altLang="zh-CN" sz="2000" b="1" dirty="0" smtClean="0">
               <a:solidFill>
